--- a/KKBox Customer Churn/Legacy Documents/Visual Assests.pptx
+++ b/KKBox Customer Churn/Legacy Documents/Visual Assests.pptx
@@ -145,7 +145,7 @@
 <file path=ppt/revisionInfo.xml><?xml version="1.0" encoding="utf-8"?>
 <p1510:revInfo xmlns:a="http://schemas.openxmlformats.org/drawingml/2006/main" xmlns:r="http://schemas.openxmlformats.org/officeDocument/2006/relationships" xmlns:p1510="http://schemas.microsoft.com/office/powerpoint/2015/10/main">
   <p1510:revLst>
-    <p1510:client id="{29245155-BFDD-4FE8-8CD1-B7A5CDE8C7DE}" v="132" dt="2019-11-06T19:23:43.966"/>
+    <p1510:client id="{6605CA88-8F9B-435D-B43A-43B3E10257E4}" v="5" dt="2019-11-14T21:54:40.480"/>
   </p1510:revLst>
 </p1510:revInfo>
 </file>
@@ -1229,7 +1229,7 @@
   <pc:docChgLst>
     <pc:chgData name="John Dango" userId="84ae54e972e39744" providerId="LiveId" clId="{6605CA88-8F9B-435D-B43A-43B3E10257E4}"/>
     <pc:docChg chg="undo custSel addSld delSld modSld sldOrd">
-      <pc:chgData name="John Dango" userId="84ae54e972e39744" providerId="LiveId" clId="{6605CA88-8F9B-435D-B43A-43B3E10257E4}" dt="2019-11-04T03:34:44.225" v="1115" actId="1076"/>
+      <pc:chgData name="John Dango" userId="84ae54e972e39744" providerId="LiveId" clId="{6605CA88-8F9B-435D-B43A-43B3E10257E4}" dt="2019-11-14T21:54:59.390" v="1132" actId="1076"/>
       <pc:docMkLst>
         <pc:docMk/>
       </pc:docMkLst>
@@ -1490,7 +1490,7 @@
         </pc:spChg>
       </pc:sldChg>
       <pc:sldChg chg="addSp delSp modSp">
-        <pc:chgData name="John Dango" userId="84ae54e972e39744" providerId="LiveId" clId="{6605CA88-8F9B-435D-B43A-43B3E10257E4}" dt="2019-11-03T20:01:47.930" v="779" actId="1076"/>
+        <pc:chgData name="John Dango" userId="84ae54e972e39744" providerId="LiveId" clId="{6605CA88-8F9B-435D-B43A-43B3E10257E4}" dt="2019-11-14T21:54:59.390" v="1132" actId="1076"/>
         <pc:sldMkLst>
           <pc:docMk/>
           <pc:sldMk cId="3604801834" sldId="273"/>
@@ -1519,12 +1519,36 @@
             <ac:picMk id="2" creationId="{7DBA5F96-E46A-4651-B034-76A33D716485}"/>
           </ac:picMkLst>
         </pc:picChg>
-        <pc:picChg chg="add mod">
-          <ac:chgData name="John Dango" userId="84ae54e972e39744" providerId="LiveId" clId="{6605CA88-8F9B-435D-B43A-43B3E10257E4}" dt="2019-11-03T19:44:48.606" v="680" actId="1076"/>
+        <pc:picChg chg="add del mod">
+          <ac:chgData name="John Dango" userId="84ae54e972e39744" providerId="LiveId" clId="{6605CA88-8F9B-435D-B43A-43B3E10257E4}" dt="2019-11-14T21:54:26.130" v="1122"/>
+          <ac:picMkLst>
+            <pc:docMk/>
+            <pc:sldMk cId="3604801834" sldId="273"/>
+            <ac:picMk id="2" creationId="{CB568E2C-63C8-479A-B572-B293C2C4E4C4}"/>
+          </ac:picMkLst>
+        </pc:picChg>
+        <pc:picChg chg="add del mod">
+          <ac:chgData name="John Dango" userId="84ae54e972e39744" providerId="LiveId" clId="{6605CA88-8F9B-435D-B43A-43B3E10257E4}" dt="2019-11-14T21:54:39.401" v="1128" actId="478"/>
           <ac:picMkLst>
             <pc:docMk/>
             <pc:sldMk cId="3604801834" sldId="273"/>
             <ac:picMk id="3" creationId="{9C654F7F-FA67-42E8-A33F-5E8BE4BC337F}"/>
+          </ac:picMkLst>
+        </pc:picChg>
+        <pc:picChg chg="add del mod">
+          <ac:chgData name="John Dango" userId="84ae54e972e39744" providerId="LiveId" clId="{6605CA88-8F9B-435D-B43A-43B3E10257E4}" dt="2019-11-14T21:54:38.080" v="1127"/>
+          <ac:picMkLst>
+            <pc:docMk/>
+            <pc:sldMk cId="3604801834" sldId="273"/>
+            <ac:picMk id="4" creationId="{4BDDA860-6221-4B9F-AD74-D4B9FCDAF3D3}"/>
+          </ac:picMkLst>
+        </pc:picChg>
+        <pc:picChg chg="add mod">
+          <ac:chgData name="John Dango" userId="84ae54e972e39744" providerId="LiveId" clId="{6605CA88-8F9B-435D-B43A-43B3E10257E4}" dt="2019-11-14T21:54:59.390" v="1132" actId="1076"/>
+          <ac:picMkLst>
+            <pc:docMk/>
+            <pc:sldMk cId="3604801834" sldId="273"/>
+            <ac:picMk id="6" creationId="{2CAE22BB-C00C-45DC-AA81-23AC922408E1}"/>
           </ac:picMkLst>
         </pc:picChg>
         <pc:picChg chg="del topLvl">
@@ -2545,7 +2569,7 @@
           <a:p>
             <a:fld id="{C4E8898E-F4BE-4C10-A355-977F2B268259}" type="datetimeFigureOut">
               <a:rPr lang="en-US" smtClean="0"/>
-              <a:t>11/6/2019</a:t>
+              <a:t>11/14/2019</a:t>
             </a:fld>
             <a:endParaRPr lang="en-US"/>
           </a:p>
@@ -2743,7 +2767,7 @@
           <a:p>
             <a:fld id="{C4E8898E-F4BE-4C10-A355-977F2B268259}" type="datetimeFigureOut">
               <a:rPr lang="en-US" smtClean="0"/>
-              <a:t>11/6/2019</a:t>
+              <a:t>11/14/2019</a:t>
             </a:fld>
             <a:endParaRPr lang="en-US"/>
           </a:p>
@@ -2951,7 +2975,7 @@
           <a:p>
             <a:fld id="{C4E8898E-F4BE-4C10-A355-977F2B268259}" type="datetimeFigureOut">
               <a:rPr lang="en-US" smtClean="0"/>
-              <a:t>11/6/2019</a:t>
+              <a:t>11/14/2019</a:t>
             </a:fld>
             <a:endParaRPr lang="en-US"/>
           </a:p>
@@ -3149,7 +3173,7 @@
           <a:p>
             <a:fld id="{C4E8898E-F4BE-4C10-A355-977F2B268259}" type="datetimeFigureOut">
               <a:rPr lang="en-US" smtClean="0"/>
-              <a:t>11/6/2019</a:t>
+              <a:t>11/14/2019</a:t>
             </a:fld>
             <a:endParaRPr lang="en-US"/>
           </a:p>
@@ -3424,7 +3448,7 @@
           <a:p>
             <a:fld id="{C4E8898E-F4BE-4C10-A355-977F2B268259}" type="datetimeFigureOut">
               <a:rPr lang="en-US" smtClean="0"/>
-              <a:t>11/6/2019</a:t>
+              <a:t>11/14/2019</a:t>
             </a:fld>
             <a:endParaRPr lang="en-US"/>
           </a:p>
@@ -3689,7 +3713,7 @@
           <a:p>
             <a:fld id="{C4E8898E-F4BE-4C10-A355-977F2B268259}" type="datetimeFigureOut">
               <a:rPr lang="en-US" smtClean="0"/>
-              <a:t>11/6/2019</a:t>
+              <a:t>11/14/2019</a:t>
             </a:fld>
             <a:endParaRPr lang="en-US"/>
           </a:p>
@@ -4101,7 +4125,7 @@
           <a:p>
             <a:fld id="{C4E8898E-F4BE-4C10-A355-977F2B268259}" type="datetimeFigureOut">
               <a:rPr lang="en-US" smtClean="0"/>
-              <a:t>11/6/2019</a:t>
+              <a:t>11/14/2019</a:t>
             </a:fld>
             <a:endParaRPr lang="en-US"/>
           </a:p>
@@ -4242,7 +4266,7 @@
           <a:p>
             <a:fld id="{C4E8898E-F4BE-4C10-A355-977F2B268259}" type="datetimeFigureOut">
               <a:rPr lang="en-US" smtClean="0"/>
-              <a:t>11/6/2019</a:t>
+              <a:t>11/14/2019</a:t>
             </a:fld>
             <a:endParaRPr lang="en-US"/>
           </a:p>
@@ -4355,7 +4379,7 @@
           <a:p>
             <a:fld id="{C4E8898E-F4BE-4C10-A355-977F2B268259}" type="datetimeFigureOut">
               <a:rPr lang="en-US" smtClean="0"/>
-              <a:t>11/6/2019</a:t>
+              <a:t>11/14/2019</a:t>
             </a:fld>
             <a:endParaRPr lang="en-US"/>
           </a:p>
@@ -4666,7 +4690,7 @@
           <a:p>
             <a:fld id="{C4E8898E-F4BE-4C10-A355-977F2B268259}" type="datetimeFigureOut">
               <a:rPr lang="en-US" smtClean="0"/>
-              <a:t>11/6/2019</a:t>
+              <a:t>11/14/2019</a:t>
             </a:fld>
             <a:endParaRPr lang="en-US"/>
           </a:p>
@@ -4954,7 +4978,7 @@
           <a:p>
             <a:fld id="{C4E8898E-F4BE-4C10-A355-977F2B268259}" type="datetimeFigureOut">
               <a:rPr lang="en-US" smtClean="0"/>
-              <a:t>11/6/2019</a:t>
+              <a:t>11/14/2019</a:t>
             </a:fld>
             <a:endParaRPr lang="en-US"/>
           </a:p>
@@ -5195,7 +5219,7 @@
           <a:p>
             <a:fld id="{C4E8898E-F4BE-4C10-A355-977F2B268259}" type="datetimeFigureOut">
               <a:rPr lang="en-US" smtClean="0"/>
-              <a:t>11/6/2019</a:t>
+              <a:t>11/14/2019</a:t>
             </a:fld>
             <a:endParaRPr lang="en-US"/>
           </a:p>
@@ -6893,10 +6917,10 @@
       </p:sp>
       <p:pic>
         <p:nvPicPr>
-          <p:cNvPr id="3" name="Picture 2">
-            <a:extLst>
-              <a:ext uri="{FF2B5EF4-FFF2-40B4-BE49-F238E27FC236}">
-                <a16:creationId xmlns:a16="http://schemas.microsoft.com/office/drawing/2014/main" id="{9C654F7F-FA67-42E8-A33F-5E8BE4BC337F}"/>
+          <p:cNvPr id="6" name="Picture 5">
+            <a:extLst>
+              <a:ext uri="{FF2B5EF4-FFF2-40B4-BE49-F238E27FC236}">
+                <a16:creationId xmlns:a16="http://schemas.microsoft.com/office/drawing/2014/main" id="{2CAE22BB-C00C-45DC-AA81-23AC922408E1}"/>
               </a:ext>
             </a:extLst>
           </p:cNvPr>
@@ -6913,8 +6937,8 @@
         </p:blipFill>
         <p:spPr>
           <a:xfrm>
-            <a:off x="2440332" y="610904"/>
-            <a:ext cx="7311335" cy="6126899"/>
+            <a:off x="2440330" y="578967"/>
+            <a:ext cx="7311335" cy="6124525"/>
           </a:xfrm>
           <a:prstGeom prst="rect">
             <a:avLst/>
